--- a/ppts/Topic 2 Manipulating Data.pptx
+++ b/ppts/Topic 2 Manipulating Data.pptx
@@ -242,7 +242,7 @@
           <a:p>
             <a:fld id="{1BA39DE0-3BD7-47FB-9F64-961FDD8ADDD6}" type="datetimeFigureOut">
               <a:rPr lang="en-CA" smtClean="0"/>
-              <a:t>16/02/2018</a:t>
+              <a:t>19/02/2018</a:t>
             </a:fld>
             <a:endParaRPr lang="en-CA"/>
           </a:p>
@@ -693,7 +693,7 @@
             <a:fld id="{1D8BD707-D9CF-40AE-B4C6-C98DA3205C09}" type="datetimeFigureOut">
               <a:rPr lang="en-US" smtClean="0"/>
               <a:pPr/>
-              <a:t>2/16/2018</a:t>
+              <a:t>2/19/2018</a:t>
             </a:fld>
             <a:endParaRPr lang="en-US"/>
           </a:p>
@@ -879,7 +879,7 @@
             <a:fld id="{1D8BD707-D9CF-40AE-B4C6-C98DA3205C09}" type="datetimeFigureOut">
               <a:rPr lang="en-US" smtClean="0"/>
               <a:pPr/>
-              <a:t>2/16/2018</a:t>
+              <a:t>2/19/2018</a:t>
             </a:fld>
             <a:endParaRPr lang="en-US"/>
           </a:p>
@@ -1071,7 +1071,7 @@
             <a:fld id="{1D8BD707-D9CF-40AE-B4C6-C98DA3205C09}" type="datetimeFigureOut">
               <a:rPr lang="en-US" smtClean="0"/>
               <a:pPr/>
-              <a:t>2/16/2018</a:t>
+              <a:t>2/19/2018</a:t>
             </a:fld>
             <a:endParaRPr lang="en-US"/>
           </a:p>
@@ -1253,7 +1253,7 @@
             <a:fld id="{1D8BD707-D9CF-40AE-B4C6-C98DA3205C09}" type="datetimeFigureOut">
               <a:rPr lang="en-US" smtClean="0"/>
               <a:pPr/>
-              <a:t>2/16/2018</a:t>
+              <a:t>2/19/2018</a:t>
             </a:fld>
             <a:endParaRPr lang="en-US"/>
           </a:p>
@@ -1520,7 +1520,7 @@
             <a:fld id="{1D8BD707-D9CF-40AE-B4C6-C98DA3205C09}" type="datetimeFigureOut">
               <a:rPr lang="en-US" smtClean="0"/>
               <a:pPr/>
-              <a:t>2/16/2018</a:t>
+              <a:t>2/19/2018</a:t>
             </a:fld>
             <a:endParaRPr lang="en-US"/>
           </a:p>
@@ -1804,7 +1804,7 @@
             <a:fld id="{1D8BD707-D9CF-40AE-B4C6-C98DA3205C09}" type="datetimeFigureOut">
               <a:rPr lang="en-US" smtClean="0"/>
               <a:pPr/>
-              <a:t>2/16/2018</a:t>
+              <a:t>2/19/2018</a:t>
             </a:fld>
             <a:endParaRPr lang="en-US"/>
           </a:p>
@@ -2198,7 +2198,7 @@
             <a:fld id="{1D8BD707-D9CF-40AE-B4C6-C98DA3205C09}" type="datetimeFigureOut">
               <a:rPr lang="en-US" smtClean="0"/>
               <a:pPr/>
-              <a:t>2/16/2018</a:t>
+              <a:t>2/19/2018</a:t>
             </a:fld>
             <a:endParaRPr lang="en-US"/>
           </a:p>
@@ -2366,7 +2366,7 @@
             <a:fld id="{1D8BD707-D9CF-40AE-B4C6-C98DA3205C09}" type="datetimeFigureOut">
               <a:rPr lang="en-US" smtClean="0"/>
               <a:pPr/>
-              <a:t>2/16/2018</a:t>
+              <a:t>2/19/2018</a:t>
             </a:fld>
             <a:endParaRPr lang="en-US"/>
           </a:p>
@@ -2475,7 +2475,7 @@
             <a:fld id="{1D8BD707-D9CF-40AE-B4C6-C98DA3205C09}" type="datetimeFigureOut">
               <a:rPr lang="en-US" smtClean="0"/>
               <a:pPr/>
-              <a:t>2/16/2018</a:t>
+              <a:t>2/19/2018</a:t>
             </a:fld>
             <a:endParaRPr lang="en-US"/>
           </a:p>
@@ -2753,7 +2753,7 @@
             <a:fld id="{1D8BD707-D9CF-40AE-B4C6-C98DA3205C09}" type="datetimeFigureOut">
               <a:rPr lang="en-US" smtClean="0"/>
               <a:pPr/>
-              <a:t>2/16/2018</a:t>
+              <a:t>2/19/2018</a:t>
             </a:fld>
             <a:endParaRPr lang="en-US"/>
           </a:p>
@@ -3364,7 +3364,7 @@
             <a:fld id="{1D8BD707-D9CF-40AE-B4C6-C98DA3205C09}" type="datetimeFigureOut">
               <a:rPr lang="en-US" smtClean="0"/>
               <a:pPr/>
-              <a:t>2/16/2018</a:t>
+              <a:t>2/19/2018</a:t>
             </a:fld>
             <a:endParaRPr lang="en-US"/>
           </a:p>
@@ -3902,7 +3902,7 @@
             <a:fld id="{1D8BD707-D9CF-40AE-B4C6-C98DA3205C09}" type="datetimeFigureOut">
               <a:rPr lang="en-US" smtClean="0"/>
               <a:pPr/>
-              <a:t>2/16/2018</a:t>
+              <a:t>2/19/2018</a:t>
             </a:fld>
             <a:endParaRPr lang="en-US"/>
           </a:p>
@@ -4862,7 +4862,7 @@
           <a:p>
             <a:r>
               <a:rPr lang="en-CA" dirty="0"/>
-              <a:t>Numeric 	a &lt;- 1</a:t>
+              <a:t>Numeric 		a &lt;- 1</a:t>
             </a:r>
           </a:p>
           <a:p>
@@ -5784,7 +5784,7 @@
             </a:r>
             <a:r>
               <a:rPr lang="en-CA" dirty="0"/>
-              <a:t>	</a:t>
+              <a:t>		</a:t>
             </a:r>
             <a:r>
               <a:rPr lang="en-CA" dirty="0" err="1"/>
@@ -5856,7 +5856,7 @@
           <a:p>
             <a:r>
               <a:rPr lang="en-CA" dirty="0"/>
-              <a:t>Reshaping	</a:t>
+              <a:t>Reshaping		</a:t>
             </a:r>
             <a:r>
               <a:rPr lang="en-CA" dirty="0" err="1"/>

--- a/ppts/Topic 2 Manipulating Data.pptx
+++ b/ppts/Topic 2 Manipulating Data.pptx
@@ -242,7 +242,7 @@
           <a:p>
             <a:fld id="{1BA39DE0-3BD7-47FB-9F64-961FDD8ADDD6}" type="datetimeFigureOut">
               <a:rPr lang="en-CA" smtClean="0"/>
-              <a:t>19/02/2018</a:t>
+              <a:t>2018-02-21</a:t>
             </a:fld>
             <a:endParaRPr lang="en-CA"/>
           </a:p>
@@ -693,7 +693,7 @@
             <a:fld id="{1D8BD707-D9CF-40AE-B4C6-C98DA3205C09}" type="datetimeFigureOut">
               <a:rPr lang="en-US" smtClean="0"/>
               <a:pPr/>
-              <a:t>2/19/2018</a:t>
+              <a:t>21-Feb-18</a:t>
             </a:fld>
             <a:endParaRPr lang="en-US"/>
           </a:p>
@@ -879,7 +879,7 @@
             <a:fld id="{1D8BD707-D9CF-40AE-B4C6-C98DA3205C09}" type="datetimeFigureOut">
               <a:rPr lang="en-US" smtClean="0"/>
               <a:pPr/>
-              <a:t>2/19/2018</a:t>
+              <a:t>21-Feb-18</a:t>
             </a:fld>
             <a:endParaRPr lang="en-US"/>
           </a:p>
@@ -1071,7 +1071,7 @@
             <a:fld id="{1D8BD707-D9CF-40AE-B4C6-C98DA3205C09}" type="datetimeFigureOut">
               <a:rPr lang="en-US" smtClean="0"/>
               <a:pPr/>
-              <a:t>2/19/2018</a:t>
+              <a:t>21-Feb-18</a:t>
             </a:fld>
             <a:endParaRPr lang="en-US"/>
           </a:p>
@@ -1253,7 +1253,7 @@
             <a:fld id="{1D8BD707-D9CF-40AE-B4C6-C98DA3205C09}" type="datetimeFigureOut">
               <a:rPr lang="en-US" smtClean="0"/>
               <a:pPr/>
-              <a:t>2/19/2018</a:t>
+              <a:t>21-Feb-18</a:t>
             </a:fld>
             <a:endParaRPr lang="en-US"/>
           </a:p>
@@ -1520,7 +1520,7 @@
             <a:fld id="{1D8BD707-D9CF-40AE-B4C6-C98DA3205C09}" type="datetimeFigureOut">
               <a:rPr lang="en-US" smtClean="0"/>
               <a:pPr/>
-              <a:t>2/19/2018</a:t>
+              <a:t>21-Feb-18</a:t>
             </a:fld>
             <a:endParaRPr lang="en-US"/>
           </a:p>
@@ -1804,7 +1804,7 @@
             <a:fld id="{1D8BD707-D9CF-40AE-B4C6-C98DA3205C09}" type="datetimeFigureOut">
               <a:rPr lang="en-US" smtClean="0"/>
               <a:pPr/>
-              <a:t>2/19/2018</a:t>
+              <a:t>21-Feb-18</a:t>
             </a:fld>
             <a:endParaRPr lang="en-US"/>
           </a:p>
@@ -2198,7 +2198,7 @@
             <a:fld id="{1D8BD707-D9CF-40AE-B4C6-C98DA3205C09}" type="datetimeFigureOut">
               <a:rPr lang="en-US" smtClean="0"/>
               <a:pPr/>
-              <a:t>2/19/2018</a:t>
+              <a:t>21-Feb-18</a:t>
             </a:fld>
             <a:endParaRPr lang="en-US"/>
           </a:p>
@@ -2366,7 +2366,7 @@
             <a:fld id="{1D8BD707-D9CF-40AE-B4C6-C98DA3205C09}" type="datetimeFigureOut">
               <a:rPr lang="en-US" smtClean="0"/>
               <a:pPr/>
-              <a:t>2/19/2018</a:t>
+              <a:t>21-Feb-18</a:t>
             </a:fld>
             <a:endParaRPr lang="en-US"/>
           </a:p>
@@ -2475,7 +2475,7 @@
             <a:fld id="{1D8BD707-D9CF-40AE-B4C6-C98DA3205C09}" type="datetimeFigureOut">
               <a:rPr lang="en-US" smtClean="0"/>
               <a:pPr/>
-              <a:t>2/19/2018</a:t>
+              <a:t>21-Feb-18</a:t>
             </a:fld>
             <a:endParaRPr lang="en-US"/>
           </a:p>
@@ -2753,7 +2753,7 @@
             <a:fld id="{1D8BD707-D9CF-40AE-B4C6-C98DA3205C09}" type="datetimeFigureOut">
               <a:rPr lang="en-US" smtClean="0"/>
               <a:pPr/>
-              <a:t>2/19/2018</a:t>
+              <a:t>21-Feb-18</a:t>
             </a:fld>
             <a:endParaRPr lang="en-US"/>
           </a:p>
@@ -3364,7 +3364,7 @@
             <a:fld id="{1D8BD707-D9CF-40AE-B4C6-C98DA3205C09}" type="datetimeFigureOut">
               <a:rPr lang="en-US" smtClean="0"/>
               <a:pPr/>
-              <a:t>2/19/2018</a:t>
+              <a:t>21-Feb-18</a:t>
             </a:fld>
             <a:endParaRPr lang="en-US"/>
           </a:p>
@@ -3902,7 +3902,7 @@
             <a:fld id="{1D8BD707-D9CF-40AE-B4C6-C98DA3205C09}" type="datetimeFigureOut">
               <a:rPr lang="en-US" smtClean="0"/>
               <a:pPr/>
-              <a:t>2/19/2018</a:t>
+              <a:t>21-Feb-18</a:t>
             </a:fld>
             <a:endParaRPr lang="en-US"/>
           </a:p>
@@ -4709,6 +4709,13 @@
   <p:clrMapOvr>
     <a:masterClrMapping/>
   </p:clrMapOvr>
+  <p:timing>
+    <p:tnLst>
+      <p:par>
+        <p:cTn id="1" dur="indefinite" restart="never" nodeType="tmRoot"/>
+      </p:par>
+    </p:tnLst>
+  </p:timing>
 </p:sld>
 </file>
 
@@ -4803,6 +4810,13 @@
   <p:clrMapOvr>
     <a:masterClrMapping/>
   </p:clrMapOvr>
+  <p:timing>
+    <p:tnLst>
+      <p:par>
+        <p:cTn id="1" dur="indefinite" restart="never" nodeType="tmRoot"/>
+      </p:par>
+    </p:tnLst>
+  </p:timing>
 </p:sld>
 </file>
 
@@ -5356,7 +5370,15 @@
             </a:r>
             <a:r>
               <a:rPr lang="en-CA" dirty="0"/>
-              <a:t>	trees &lt;- </a:t>
+              <a:t>	</a:t>
+            </a:r>
+            <a:r>
+              <a:rPr lang="en-CA" dirty="0" smtClean="0"/>
+              <a:t>	trees </a:t>
+            </a:r>
+            <a:r>
+              <a:rPr lang="en-CA" dirty="0"/>
+              <a:t>&lt;- </a:t>
             </a:r>
             <a:r>
               <a:rPr lang="en-CA" dirty="0" err="1"/>
@@ -5364,13 +5386,33 @@
             </a:r>
             <a:r>
               <a:rPr lang="en-CA" dirty="0"/>
-              <a:t>(tree = c(1, 			2), species = c("WH", "WL"))</a:t>
-            </a:r>
-          </a:p>
-          <a:p>
+              <a:t>(tree = c(1, 	</a:t>
+            </a:r>
+            <a:r>
+              <a:rPr lang="en-CA" dirty="0" smtClean="0"/>
+              <a:t>	</a:t>
+            </a:r>
             <a:r>
               <a:rPr lang="en-CA" dirty="0"/>
-              <a:t>Matrix/Array	mat.1 &lt;- matrix(c(1,0,1,1), 				</a:t>
+              <a:t>		2), species = c("WH", "WL"))</a:t>
+            </a:r>
+          </a:p>
+          <a:p>
+            <a:r>
+              <a:rPr lang="en-CA" dirty="0"/>
+              <a:t>Matrix/Array	mat.1 &lt;- matrix(c(1,0,1,1), 		</a:t>
+            </a:r>
+            <a:r>
+              <a:rPr lang="en-CA"/>
+              <a:t>	</a:t>
+            </a:r>
+            <a:r>
+              <a:rPr lang="en-CA" smtClean="0"/>
+              <a:t>	</a:t>
+            </a:r>
+            <a:r>
+              <a:rPr lang="en-CA" dirty="0"/>
+              <a:t>	</a:t>
             </a:r>
             <a:r>
               <a:rPr lang="en-CA" dirty="0" err="1"/>
